--- a/Document/Giheng-제작설계서.pptx
+++ b/Document/Giheng-제작설계서.pptx
@@ -1,16 +1,14 @@
 
 <file path=ppt/presentation.xml><?xml version="1.0" encoding="utf-8"?>
-<p:presentation xmlns:a="http://schemas.openxmlformats.org/drawingml/2006/main" xmlns:r="http://schemas.openxmlformats.org/officeDocument/2006/relationships" xmlns:p="http://schemas.openxmlformats.org/presentationml/2006/main" saveSubsetFonts="1">
+<p:presentation xmlns:r="http://schemas.openxmlformats.org/officeDocument/2006/relationships" xmlns:c="http://schemas.openxmlformats.org/drawingml/2006/chart" xmlns:a="http://schemas.openxmlformats.org/drawingml/2006/main" xmlns:dgm="http://schemas.openxmlformats.org/drawingml/2006/diagram" xmlns:dsp="http://schemas.microsoft.com/office/drawing/2008/diagram" xmlns:p="http://schemas.openxmlformats.org/presentationml/2006/main">
   <p:sldMasterIdLst>
-    <p:sldMasterId id="2147483648" r:id="rId1"/>
+    <p:sldMasterId id="2147483660" r:id="rId1"/>
   </p:sldMasterIdLst>
   <p:sldIdLst>
     <p:sldId id="256" r:id="rId2"/>
     <p:sldId id="375" r:id="rId3"/>
     <p:sldId id="376" r:id="rId4"/>
     <p:sldId id="353" r:id="rId5"/>
-    <p:sldId id="336" r:id="rId6"/>
-    <p:sldId id="332" r:id="rId7"/>
   </p:sldIdLst>
   <p:sldSz cx="12192000" cy="6858000"/>
   <p:notesSz cx="6858000" cy="9144000"/>
@@ -10054,1880 +10052,45 @@
 </p:sld>
 </file>
 
-<file path=ppt/slides/slide5.xml><?xml version="1.0" encoding="utf-8"?>
-<p:sld xmlns:a="http://schemas.openxmlformats.org/drawingml/2006/main" xmlns:r="http://schemas.openxmlformats.org/officeDocument/2006/relationships" xmlns:p="http://schemas.openxmlformats.org/presentationml/2006/main">
-  <p:cSld>
-    <p:spTree>
-      <p:nvGrpSpPr>
-        <p:cNvPr id="1" name=""/>
-        <p:cNvGrpSpPr/>
-        <p:nvPr/>
-      </p:nvGrpSpPr>
-      <p:grpSpPr>
-        <a:xfrm>
-          <a:off x="0" y="0"/>
-          <a:ext cx="0" cy="0"/>
-          <a:chOff x="0" y="0"/>
-          <a:chExt cx="0" cy="0"/>
-        </a:xfrm>
-      </p:grpSpPr>
-      <p:sp>
-        <p:nvSpPr>
-          <p:cNvPr id="21" name="직사각형 20">
-            <a:extLst>
-              <a:ext uri="{FF2B5EF4-FFF2-40B4-BE49-F238E27FC236}">
-                <a16:creationId xmlns:a16="http://schemas.microsoft.com/office/drawing/2014/main" id="{7B848F14-6312-40B3-AB29-E8F39EC4E187}"/>
-              </a:ext>
-            </a:extLst>
-          </p:cNvPr>
-          <p:cNvSpPr/>
-          <p:nvPr/>
-        </p:nvSpPr>
-        <p:spPr>
-          <a:xfrm>
-            <a:off x="1631951" y="0"/>
-            <a:ext cx="3095625" cy="1125538"/>
-          </a:xfrm>
-          <a:prstGeom prst="rect">
-            <a:avLst/>
-          </a:prstGeom>
-          <a:solidFill>
-            <a:srgbClr val="3B5AA8"/>
-          </a:solidFill>
-          <a:ln>
-            <a:noFill/>
-          </a:ln>
-        </p:spPr>
-        <p:style>
-          <a:lnRef idx="2">
-            <a:schemeClr val="accent1">
-              <a:shade val="50000"/>
-            </a:schemeClr>
-          </a:lnRef>
-          <a:fillRef idx="1">
-            <a:schemeClr val="accent1"/>
-          </a:fillRef>
-          <a:effectRef idx="0">
-            <a:schemeClr val="accent1"/>
-          </a:effectRef>
-          <a:fontRef idx="minor">
-            <a:schemeClr val="lt1"/>
-          </a:fontRef>
-        </p:style>
-        <p:txBody>
-          <a:bodyPr anchor="ctr"/>
-          <a:lstStyle/>
-          <a:p>
-            <a:pPr algn="ctr">
-              <a:defRPr/>
-            </a:pPr>
-            <a:endParaRPr lang="ko-KR" altLang="en-US"/>
-          </a:p>
-        </p:txBody>
-      </p:sp>
-      <p:cxnSp>
-        <p:nvCxnSpPr>
-          <p:cNvPr id="22" name="직선 연결선 21">
-            <a:extLst>
-              <a:ext uri="{FF2B5EF4-FFF2-40B4-BE49-F238E27FC236}">
-                <a16:creationId xmlns:a16="http://schemas.microsoft.com/office/drawing/2014/main" id="{9EFBEE2D-8162-42AD-AC56-F86F16B5DDED}"/>
-              </a:ext>
-            </a:extLst>
-          </p:cNvPr>
-          <p:cNvCxnSpPr/>
-          <p:nvPr/>
-        </p:nvCxnSpPr>
-        <p:spPr>
-          <a:xfrm>
-            <a:off x="1947864" y="541338"/>
-            <a:ext cx="2592387" cy="0"/>
-          </a:xfrm>
-          <a:prstGeom prst="line">
-            <a:avLst/>
-          </a:prstGeom>
-          <a:ln w="28575">
-            <a:solidFill>
-              <a:schemeClr val="bg1">
-                <a:lumMod val="95000"/>
-              </a:schemeClr>
-            </a:solidFill>
-          </a:ln>
-        </p:spPr>
-        <p:style>
-          <a:lnRef idx="1">
-            <a:schemeClr val="accent1"/>
-          </a:lnRef>
-          <a:fillRef idx="0">
-            <a:schemeClr val="accent1"/>
-          </a:fillRef>
-          <a:effectRef idx="0">
-            <a:schemeClr val="accent1"/>
-          </a:effectRef>
-          <a:fontRef idx="minor">
-            <a:schemeClr val="tx1"/>
-          </a:fontRef>
-        </p:style>
-      </p:cxnSp>
-      <p:cxnSp>
-        <p:nvCxnSpPr>
-          <p:cNvPr id="25" name="직선 연결선 24">
-            <a:extLst>
-              <a:ext uri="{FF2B5EF4-FFF2-40B4-BE49-F238E27FC236}">
-                <a16:creationId xmlns:a16="http://schemas.microsoft.com/office/drawing/2014/main" id="{F32B38C3-FA1B-4B86-BD64-68A1B88F812F}"/>
-              </a:ext>
-            </a:extLst>
-          </p:cNvPr>
-          <p:cNvCxnSpPr/>
-          <p:nvPr/>
-        </p:nvCxnSpPr>
-        <p:spPr>
-          <a:xfrm>
-            <a:off x="4800600" y="549275"/>
-            <a:ext cx="5327650" cy="0"/>
-          </a:xfrm>
-          <a:prstGeom prst="line">
-            <a:avLst/>
-          </a:prstGeom>
-          <a:ln w="28575">
-            <a:solidFill>
-              <a:srgbClr val="3B5AA8"/>
-            </a:solidFill>
-          </a:ln>
-        </p:spPr>
-        <p:style>
-          <a:lnRef idx="1">
-            <a:schemeClr val="accent4"/>
-          </a:lnRef>
-          <a:fillRef idx="0">
-            <a:schemeClr val="accent4"/>
-          </a:fillRef>
-          <a:effectRef idx="0">
-            <a:schemeClr val="accent4"/>
-          </a:effectRef>
-          <a:fontRef idx="minor">
-            <a:schemeClr val="tx1"/>
-          </a:fontRef>
-        </p:style>
-      </p:cxnSp>
-      <p:sp>
-        <p:nvSpPr>
-          <p:cNvPr id="28" name="제목 12">
-            <a:extLst>
-              <a:ext uri="{FF2B5EF4-FFF2-40B4-BE49-F238E27FC236}">
-                <a16:creationId xmlns:a16="http://schemas.microsoft.com/office/drawing/2014/main" id="{CCF9E10F-4DB2-4912-9447-3F57C5E8BF12}"/>
-              </a:ext>
-            </a:extLst>
-          </p:cNvPr>
-          <p:cNvSpPr txBox="1">
-            <a:spLocks/>
-          </p:cNvSpPr>
-          <p:nvPr/>
-        </p:nvSpPr>
-        <p:spPr>
-          <a:xfrm>
-            <a:off x="1847850" y="692150"/>
-            <a:ext cx="2952750" cy="273050"/>
-          </a:xfrm>
-          <a:prstGeom prst="rect">
-            <a:avLst/>
-          </a:prstGeom>
-        </p:spPr>
-        <p:txBody>
-          <a:bodyPr/>
-          <a:lstStyle/>
-          <a:p>
-            <a:pPr>
-              <a:defRPr/>
-            </a:pPr>
-            <a:r>
-              <a:rPr lang="en-US" altLang="ko-KR" sz="1700" b="1" dirty="0">
-                <a:solidFill>
-                  <a:schemeClr val="bg1"/>
-                </a:solidFill>
-                <a:latin typeface="+mn-ea"/>
-                <a:cs typeface="+mj-cs"/>
-              </a:rPr>
-              <a:t>| </a:t>
-            </a:r>
-            <a:r>
-              <a:rPr lang="ko-KR" altLang="en-US" sz="1700" b="1">
-                <a:solidFill>
-                  <a:schemeClr val="bg1"/>
-                </a:solidFill>
-                <a:latin typeface="+mn-ea"/>
-                <a:cs typeface="+mj-cs"/>
-              </a:rPr>
-              <a:t>알고리즘 명세서 </a:t>
-            </a:r>
-            <a:endParaRPr lang="ko-KR" altLang="en-US" sz="1700" spc="-50" dirty="0">
-              <a:solidFill>
-                <a:schemeClr val="bg1"/>
-              </a:solidFill>
-              <a:latin typeface="+mn-ea"/>
-              <a:cs typeface="+mj-cs"/>
-            </a:endParaRPr>
-          </a:p>
-        </p:txBody>
-      </p:sp>
-      <p:pic>
-        <p:nvPicPr>
-          <p:cNvPr id="18438" name="Picture 2">
-            <a:extLst>
-              <a:ext uri="{FF2B5EF4-FFF2-40B4-BE49-F238E27FC236}">
-                <a16:creationId xmlns:a16="http://schemas.microsoft.com/office/drawing/2014/main" id="{1136BE22-3FF3-47FB-8D19-02C54B95918A}"/>
-              </a:ext>
-            </a:extLst>
-          </p:cNvPr>
-          <p:cNvPicPr>
-            <a:picLocks noChangeAspect="1" noChangeArrowheads="1"/>
-          </p:cNvPicPr>
-          <p:nvPr/>
-        </p:nvPicPr>
-        <p:blipFill>
-          <a:blip r:embed="rId2">
-            <a:extLst>
-              <a:ext uri="{28A0092B-C50C-407E-A947-70E740481C1C}">
-                <a14:useLocalDpi xmlns:a14="http://schemas.microsoft.com/office/drawing/2010/main" val="0"/>
-              </a:ext>
-            </a:extLst>
-          </a:blip>
-          <a:srcRect/>
-          <a:stretch>
-            <a:fillRect/>
-          </a:stretch>
-        </p:blipFill>
-        <p:spPr bwMode="auto">
-          <a:xfrm>
-            <a:off x="10199688" y="476250"/>
-            <a:ext cx="455612" cy="158750"/>
-          </a:xfrm>
-          <a:prstGeom prst="rect">
-            <a:avLst/>
-          </a:prstGeom>
-          <a:noFill/>
-          <a:ln>
-            <a:noFill/>
-          </a:ln>
-          <a:extLst>
-            <a:ext uri="{909E8E84-426E-40DD-AFC4-6F175D3DCCD1}">
-              <a14:hiddenFill xmlns:a14="http://schemas.microsoft.com/office/drawing/2010/main">
-                <a:solidFill>
-                  <a:srgbClr val="FFFFFF"/>
-                </a:solidFill>
-              </a14:hiddenFill>
-            </a:ext>
-            <a:ext uri="{91240B29-F687-4F45-9708-019B960494DF}">
-              <a14:hiddenLine xmlns:a14="http://schemas.microsoft.com/office/drawing/2010/main" w="9525">
-                <a:solidFill>
-                  <a:srgbClr val="000000"/>
-                </a:solidFill>
-                <a:miter lim="800000"/>
-                <a:headEnd/>
-                <a:tailEnd/>
-              </a14:hiddenLine>
-            </a:ext>
-          </a:extLst>
-        </p:spPr>
-      </p:pic>
-      <p:sp>
-        <p:nvSpPr>
-          <p:cNvPr id="32" name="막힌 원호 31">
-            <a:extLst>
-              <a:ext uri="{FF2B5EF4-FFF2-40B4-BE49-F238E27FC236}">
-                <a16:creationId xmlns:a16="http://schemas.microsoft.com/office/drawing/2014/main" id="{55D00B66-9C6B-46B8-8112-F6B57BFE3582}"/>
-              </a:ext>
-            </a:extLst>
-          </p:cNvPr>
-          <p:cNvSpPr/>
-          <p:nvPr/>
-        </p:nvSpPr>
-        <p:spPr>
-          <a:xfrm flipV="1">
-            <a:off x="946150" y="-576263"/>
-            <a:ext cx="1181100" cy="1166813"/>
-          </a:xfrm>
-          <a:prstGeom prst="blockArc">
-            <a:avLst>
-              <a:gd name="adj1" fmla="val 16158679"/>
-              <a:gd name="adj2" fmla="val 0"/>
-              <a:gd name="adj3" fmla="val 25000"/>
-            </a:avLst>
-          </a:prstGeom>
-          <a:solidFill>
-            <a:schemeClr val="bg1"/>
-          </a:solidFill>
-          <a:ln>
-            <a:solidFill>
-              <a:schemeClr val="bg1"/>
-            </a:solidFill>
-          </a:ln>
-        </p:spPr>
-        <p:style>
-          <a:lnRef idx="2">
-            <a:schemeClr val="accent1">
-              <a:shade val="50000"/>
-            </a:schemeClr>
-          </a:lnRef>
-          <a:fillRef idx="1">
-            <a:schemeClr val="accent1"/>
-          </a:fillRef>
-          <a:effectRef idx="0">
-            <a:schemeClr val="accent1"/>
-          </a:effectRef>
-          <a:fontRef idx="minor">
-            <a:schemeClr val="lt1"/>
-          </a:fontRef>
-        </p:style>
-        <p:txBody>
-          <a:bodyPr anchor="ctr"/>
-          <a:lstStyle/>
-          <a:p>
-            <a:pPr algn="ctr">
-              <a:defRPr/>
-            </a:pPr>
-            <a:endParaRPr lang="ko-KR" altLang="en-US">
-              <a:solidFill>
-                <a:schemeClr val="tx1"/>
-              </a:solidFill>
-            </a:endParaRPr>
-          </a:p>
-        </p:txBody>
-      </p:sp>
-      <p:sp>
-        <p:nvSpPr>
-          <p:cNvPr id="12" name="바닥글 개체 틀 11">
-            <a:extLst>
-              <a:ext uri="{FF2B5EF4-FFF2-40B4-BE49-F238E27FC236}">
-                <a16:creationId xmlns:a16="http://schemas.microsoft.com/office/drawing/2014/main" id="{EA8D4147-03B4-4145-A105-8AF1117364C6}"/>
-              </a:ext>
-            </a:extLst>
-          </p:cNvPr>
-          <p:cNvSpPr>
-            <a:spLocks noGrp="1"/>
-          </p:cNvSpPr>
-          <p:nvPr>
-            <p:ph type="ftr" sz="quarter" idx="11"/>
-          </p:nvPr>
-        </p:nvSpPr>
-        <p:spPr/>
-        <p:txBody>
-          <a:bodyPr/>
-          <a:lstStyle/>
-          <a:p>
-            <a:pPr>
-              <a:defRPr/>
-            </a:pPr>
-            <a:r>
-              <a:rPr lang="ko-KR" altLang="en-US"/>
-              <a:t>한이음 ▶ 프로그램 설계서</a:t>
-            </a:r>
-          </a:p>
-        </p:txBody>
-      </p:sp>
-      <p:sp>
-        <p:nvSpPr>
-          <p:cNvPr id="51" name="직사각형 50">
-            <a:extLst>
-              <a:ext uri="{FF2B5EF4-FFF2-40B4-BE49-F238E27FC236}">
-                <a16:creationId xmlns:a16="http://schemas.microsoft.com/office/drawing/2014/main" id="{41DE7D03-2822-449F-A136-E1E578200657}"/>
-              </a:ext>
-            </a:extLst>
-          </p:cNvPr>
-          <p:cNvSpPr/>
-          <p:nvPr/>
-        </p:nvSpPr>
-        <p:spPr>
-          <a:xfrm>
-            <a:off x="5375275" y="549275"/>
-            <a:ext cx="5113338" cy="338138"/>
-          </a:xfrm>
-          <a:prstGeom prst="rect">
-            <a:avLst/>
-          </a:prstGeom>
-        </p:spPr>
-        <p:txBody>
-          <a:bodyPr>
-            <a:spAutoFit/>
-          </a:bodyPr>
-          <a:lstStyle/>
-          <a:p>
-            <a:pPr marL="265113" indent="-265113" algn="r">
-              <a:defRPr/>
-            </a:pPr>
-            <a:r>
-              <a:rPr lang="ko-KR" altLang="en-US" sz="1600" b="1" i="1" dirty="0">
-                <a:solidFill>
-                  <a:srgbClr val="FF0000"/>
-                </a:solidFill>
-                <a:latin typeface="+mj-lt"/>
-              </a:rPr>
-              <a:t>샘플</a:t>
-            </a:r>
-            <a:r>
-              <a:rPr lang="en-US" altLang="ko-KR" sz="1600" b="1" i="1" dirty="0">
-                <a:solidFill>
-                  <a:srgbClr val="FF0000"/>
-                </a:solidFill>
-                <a:latin typeface="+mj-lt"/>
-              </a:rPr>
-              <a:t> 1</a:t>
-            </a:r>
-            <a:endParaRPr lang="ko-KR" altLang="en-US" sz="1600" b="1" i="1" dirty="0">
-              <a:solidFill>
-                <a:srgbClr val="FF0000"/>
-              </a:solidFill>
-              <a:latin typeface="+mj-lt"/>
-            </a:endParaRPr>
-          </a:p>
-        </p:txBody>
-      </p:sp>
-      <p:sp>
-        <p:nvSpPr>
-          <p:cNvPr id="23" name="직사각형 22">
-            <a:extLst>
-              <a:ext uri="{FF2B5EF4-FFF2-40B4-BE49-F238E27FC236}">
-                <a16:creationId xmlns:a16="http://schemas.microsoft.com/office/drawing/2014/main" id="{69FF7CE7-98F0-4B91-B877-539900F02CBD}"/>
-              </a:ext>
-            </a:extLst>
-          </p:cNvPr>
-          <p:cNvSpPr/>
-          <p:nvPr/>
-        </p:nvSpPr>
-        <p:spPr>
-          <a:xfrm>
-            <a:off x="1746251" y="1473200"/>
-            <a:ext cx="4291013" cy="4387850"/>
-          </a:xfrm>
-          <a:prstGeom prst="rect">
-            <a:avLst/>
-          </a:prstGeom>
-          <a:noFill/>
-          <a:ln>
-            <a:solidFill>
-              <a:schemeClr val="accent1"/>
-            </a:solidFill>
-          </a:ln>
-        </p:spPr>
-        <p:style>
-          <a:lnRef idx="0">
-            <a:scrgbClr r="0" g="0" b="0"/>
-          </a:lnRef>
-          <a:fillRef idx="0">
-            <a:scrgbClr r="0" g="0" b="0"/>
-          </a:fillRef>
-          <a:effectRef idx="0">
-            <a:scrgbClr r="0" g="0" b="0"/>
-          </a:effectRef>
-          <a:fontRef idx="minor">
-            <a:schemeClr val="lt1"/>
-          </a:fontRef>
-        </p:style>
-        <p:txBody>
-          <a:bodyPr anchor="ctr"/>
-          <a:lstStyle/>
-          <a:p>
-            <a:pPr algn="ctr">
-              <a:defRPr/>
-            </a:pPr>
-            <a:endParaRPr lang="ko-KR" altLang="en-US" b="1" dirty="0">
-              <a:solidFill>
-                <a:schemeClr val="tx1"/>
-              </a:solidFill>
-            </a:endParaRPr>
-          </a:p>
-        </p:txBody>
-      </p:sp>
-      <p:sp>
-        <p:nvSpPr>
-          <p:cNvPr id="24" name="직사각형 23">
-            <a:extLst>
-              <a:ext uri="{FF2B5EF4-FFF2-40B4-BE49-F238E27FC236}">
-                <a16:creationId xmlns:a16="http://schemas.microsoft.com/office/drawing/2014/main" id="{899C18C9-BEC8-41CA-9630-7463AC5F3F26}"/>
-              </a:ext>
-            </a:extLst>
-          </p:cNvPr>
-          <p:cNvSpPr/>
-          <p:nvPr/>
-        </p:nvSpPr>
-        <p:spPr>
-          <a:xfrm>
-            <a:off x="6096001" y="1473200"/>
-            <a:ext cx="4291013" cy="4387850"/>
-          </a:xfrm>
-          <a:prstGeom prst="rect">
-            <a:avLst/>
-          </a:prstGeom>
-          <a:noFill/>
-          <a:ln>
-            <a:solidFill>
-              <a:schemeClr val="accent1"/>
-            </a:solidFill>
-          </a:ln>
-        </p:spPr>
-        <p:style>
-          <a:lnRef idx="0">
-            <a:scrgbClr r="0" g="0" b="0"/>
-          </a:lnRef>
-          <a:fillRef idx="0">
-            <a:scrgbClr r="0" g="0" b="0"/>
-          </a:fillRef>
-          <a:effectRef idx="0">
-            <a:scrgbClr r="0" g="0" b="0"/>
-          </a:effectRef>
-          <a:fontRef idx="minor">
-            <a:schemeClr val="lt1"/>
-          </a:fontRef>
-        </p:style>
-        <p:txBody>
-          <a:bodyPr anchor="ctr"/>
-          <a:lstStyle/>
-          <a:p>
-            <a:pPr algn="ctr">
-              <a:defRPr/>
-            </a:pPr>
-            <a:endParaRPr lang="ko-KR" altLang="en-US" b="1" dirty="0">
-              <a:solidFill>
-                <a:schemeClr val="tx1"/>
-              </a:solidFill>
-            </a:endParaRPr>
-          </a:p>
-        </p:txBody>
-      </p:sp>
-      <p:pic>
-        <p:nvPicPr>
-          <p:cNvPr id="26" name="image7.png" title="이미지">
-            <a:extLst>
-              <a:ext uri="{FF2B5EF4-FFF2-40B4-BE49-F238E27FC236}">
-                <a16:creationId xmlns:a16="http://schemas.microsoft.com/office/drawing/2014/main" id="{5AFD2928-B5E1-46CF-82C0-20CF46DEAB7B}"/>
-              </a:ext>
-            </a:extLst>
-          </p:cNvPr>
-          <p:cNvPicPr preferRelativeResize="0"/>
-          <p:nvPr/>
-        </p:nvPicPr>
-        <p:blipFill>
-          <a:blip r:embed="rId3" cstate="print"/>
-          <a:stretch>
-            <a:fillRect/>
-          </a:stretch>
-        </p:blipFill>
-        <p:spPr>
-          <a:xfrm>
-            <a:off x="2165350" y="1547814"/>
-            <a:ext cx="3454400" cy="4257675"/>
-          </a:xfrm>
-          <a:prstGeom prst="rect">
-            <a:avLst/>
-          </a:prstGeom>
-          <a:noFill/>
-        </p:spPr>
-      </p:pic>
-      <p:pic>
-        <p:nvPicPr>
-          <p:cNvPr id="27" name="image8.png" title="이미지">
-            <a:extLst>
-              <a:ext uri="{FF2B5EF4-FFF2-40B4-BE49-F238E27FC236}">
-                <a16:creationId xmlns:a16="http://schemas.microsoft.com/office/drawing/2014/main" id="{6559693B-847B-4B67-9739-AED8723B32E6}"/>
-              </a:ext>
-            </a:extLst>
-          </p:cNvPr>
-          <p:cNvPicPr preferRelativeResize="0"/>
-          <p:nvPr/>
-        </p:nvPicPr>
-        <p:blipFill>
-          <a:blip r:embed="rId4" cstate="print"/>
-          <a:stretch>
-            <a:fillRect/>
-          </a:stretch>
-        </p:blipFill>
-        <p:spPr>
-          <a:xfrm>
-            <a:off x="6192838" y="1601789"/>
-            <a:ext cx="4006850" cy="3914775"/>
-          </a:xfrm>
-          <a:prstGeom prst="rect">
-            <a:avLst/>
-          </a:prstGeom>
-          <a:noFill/>
-        </p:spPr>
-      </p:pic>
-      <p:pic>
-        <p:nvPicPr>
-          <p:cNvPr id="18446" name="그림 14">
-            <a:extLst>
-              <a:ext uri="{FF2B5EF4-FFF2-40B4-BE49-F238E27FC236}">
-                <a16:creationId xmlns:a16="http://schemas.microsoft.com/office/drawing/2014/main" id="{B80C6E06-F9C9-472E-A31A-0CAA74C46488}"/>
-              </a:ext>
-            </a:extLst>
-          </p:cNvPr>
-          <p:cNvPicPr>
-            <a:picLocks noChangeAspect="1" noChangeArrowheads="1"/>
-          </p:cNvPicPr>
-          <p:nvPr/>
-        </p:nvPicPr>
-        <p:blipFill>
-          <a:blip r:embed="rId5">
-            <a:extLst>
-              <a:ext uri="{28A0092B-C50C-407E-A947-70E740481C1C}">
-                <a14:useLocalDpi xmlns:a14="http://schemas.microsoft.com/office/drawing/2010/main" val="0"/>
-              </a:ext>
-            </a:extLst>
-          </a:blip>
-          <a:srcRect/>
-          <a:stretch>
-            <a:fillRect/>
-          </a:stretch>
-        </p:blipFill>
-        <p:spPr bwMode="auto">
-          <a:xfrm>
-            <a:off x="9639301" y="125413"/>
-            <a:ext cx="868363" cy="279400"/>
-          </a:xfrm>
-          <a:prstGeom prst="rect">
-            <a:avLst/>
-          </a:prstGeom>
-          <a:noFill/>
-          <a:ln>
-            <a:noFill/>
-          </a:ln>
-          <a:extLst>
-            <a:ext uri="{909E8E84-426E-40DD-AFC4-6F175D3DCCD1}">
-              <a14:hiddenFill xmlns:a14="http://schemas.microsoft.com/office/drawing/2010/main">
-                <a:solidFill>
-                  <a:srgbClr val="FFFFFF"/>
-                </a:solidFill>
-              </a14:hiddenFill>
-            </a:ext>
-            <a:ext uri="{91240B29-F687-4F45-9708-019B960494DF}">
-              <a14:hiddenLine xmlns:a14="http://schemas.microsoft.com/office/drawing/2010/main" w="9525">
-                <a:solidFill>
-                  <a:srgbClr val="000000"/>
-                </a:solidFill>
-                <a:miter lim="800000"/>
-                <a:headEnd/>
-                <a:tailEnd/>
-              </a14:hiddenLine>
-            </a:ext>
-          </a:extLst>
-        </p:spPr>
-      </p:pic>
-      <p:sp>
-        <p:nvSpPr>
-          <p:cNvPr id="16" name="사각형: 둥근 모서리 26">
-            <a:extLst>
-              <a:ext uri="{FF2B5EF4-FFF2-40B4-BE49-F238E27FC236}">
-                <a16:creationId xmlns:a16="http://schemas.microsoft.com/office/drawing/2014/main" id="{3B8ADAF7-711E-447A-B8E6-D7BE49CF4A86}"/>
-              </a:ext>
-            </a:extLst>
-          </p:cNvPr>
-          <p:cNvSpPr/>
-          <p:nvPr/>
-        </p:nvSpPr>
-        <p:spPr>
-          <a:xfrm>
-            <a:off x="1970089" y="6445250"/>
-            <a:ext cx="8251825" cy="368300"/>
-          </a:xfrm>
-          <a:prstGeom prst="roundRect">
-            <a:avLst/>
-          </a:prstGeom>
-          <a:noFill/>
-          <a:ln>
-            <a:noFill/>
-          </a:ln>
-        </p:spPr>
-        <p:style>
-          <a:lnRef idx="0">
-            <a:scrgbClr r="0" g="0" b="0"/>
-          </a:lnRef>
-          <a:fillRef idx="0">
-            <a:scrgbClr r="0" g="0" b="0"/>
-          </a:fillRef>
-          <a:effectRef idx="0">
-            <a:scrgbClr r="0" g="0" b="0"/>
-          </a:effectRef>
-          <a:fontRef idx="minor">
-            <a:schemeClr val="lt1"/>
-          </a:fontRef>
-        </p:style>
-        <p:txBody>
-          <a:bodyPr anchor="ctr"/>
-          <a:lstStyle/>
-          <a:p>
-            <a:pPr algn="ctr">
-              <a:defRPr/>
-            </a:pPr>
-            <a:r>
-              <a:rPr lang="en-US" altLang="ko-KR" b="1" dirty="0">
-                <a:solidFill>
-                  <a:srgbClr val="FF0000"/>
-                </a:solidFill>
-              </a:rPr>
-              <a:t>※ </a:t>
-            </a:r>
-            <a:r>
-              <a:rPr lang="ko-KR" altLang="en-US" b="1" dirty="0">
-                <a:solidFill>
-                  <a:srgbClr val="FF0000"/>
-                </a:solidFill>
-              </a:rPr>
-              <a:t>본문의 예시 내용을 지우고 과제 내용으로 변경하여 사용하세요</a:t>
-            </a:r>
-          </a:p>
-        </p:txBody>
-      </p:sp>
-      <p:sp>
-        <p:nvSpPr>
-          <p:cNvPr id="18448" name="TextBox 16">
-            <a:extLst>
-              <a:ext uri="{FF2B5EF4-FFF2-40B4-BE49-F238E27FC236}">
-                <a16:creationId xmlns:a16="http://schemas.microsoft.com/office/drawing/2014/main" id="{C7A149DA-19D2-4F3D-B0E9-19A9C69D9B0E}"/>
-              </a:ext>
-            </a:extLst>
-          </p:cNvPr>
-          <p:cNvSpPr txBox="1">
-            <a:spLocks noChangeArrowheads="1"/>
-          </p:cNvSpPr>
-          <p:nvPr/>
-        </p:nvSpPr>
-        <p:spPr bwMode="auto">
-          <a:xfrm>
-            <a:off x="4991100" y="692150"/>
-            <a:ext cx="1392238" cy="369888"/>
-          </a:xfrm>
-          <a:prstGeom prst="rect">
-            <a:avLst/>
-          </a:prstGeom>
-          <a:noFill/>
-          <a:ln>
-            <a:noFill/>
-          </a:ln>
-          <a:extLst>
-            <a:ext uri="{909E8E84-426E-40DD-AFC4-6F175D3DCCD1}">
-              <a14:hiddenFill xmlns:a14="http://schemas.microsoft.com/office/drawing/2010/main">
-                <a:solidFill>
-                  <a:srgbClr val="FFFFFF"/>
-                </a:solidFill>
-              </a14:hiddenFill>
-            </a:ext>
-            <a:ext uri="{91240B29-F687-4F45-9708-019B960494DF}">
-              <a14:hiddenLine xmlns:a14="http://schemas.microsoft.com/office/drawing/2010/main" w="9525">
-                <a:solidFill>
-                  <a:srgbClr val="000000"/>
-                </a:solidFill>
-                <a:miter lim="800000"/>
-                <a:headEnd/>
-                <a:tailEnd/>
-              </a14:hiddenLine>
-            </a:ext>
-          </a:extLst>
-        </p:spPr>
-        <p:txBody>
-          <a:bodyPr>
-            <a:spAutoFit/>
-          </a:bodyPr>
-          <a:lstStyle>
-            <a:lvl1pPr>
-              <a:defRPr>
-                <a:solidFill>
-                  <a:schemeClr val="tx1"/>
-                </a:solidFill>
-                <a:latin typeface="맑은 고딕" panose="020B0503020000020004" pitchFamily="50" charset="-127"/>
-                <a:ea typeface="맑은 고딕" panose="020B0503020000020004" pitchFamily="50" charset="-127"/>
-              </a:defRPr>
-            </a:lvl1pPr>
-            <a:lvl2pPr marL="742950" indent="-285750">
-              <a:defRPr>
-                <a:solidFill>
-                  <a:schemeClr val="tx1"/>
-                </a:solidFill>
-                <a:latin typeface="맑은 고딕" panose="020B0503020000020004" pitchFamily="50" charset="-127"/>
-                <a:ea typeface="맑은 고딕" panose="020B0503020000020004" pitchFamily="50" charset="-127"/>
-              </a:defRPr>
-            </a:lvl2pPr>
-            <a:lvl3pPr marL="1143000" indent="-228600">
-              <a:defRPr>
-                <a:solidFill>
-                  <a:schemeClr val="tx1"/>
-                </a:solidFill>
-                <a:latin typeface="맑은 고딕" panose="020B0503020000020004" pitchFamily="50" charset="-127"/>
-                <a:ea typeface="맑은 고딕" panose="020B0503020000020004" pitchFamily="50" charset="-127"/>
-              </a:defRPr>
-            </a:lvl3pPr>
-            <a:lvl4pPr marL="1600200" indent="-228600">
-              <a:defRPr>
-                <a:solidFill>
-                  <a:schemeClr val="tx1"/>
-                </a:solidFill>
-                <a:latin typeface="맑은 고딕" panose="020B0503020000020004" pitchFamily="50" charset="-127"/>
-                <a:ea typeface="맑은 고딕" panose="020B0503020000020004" pitchFamily="50" charset="-127"/>
-              </a:defRPr>
-            </a:lvl4pPr>
-            <a:lvl5pPr marL="2057400" indent="-228600">
-              <a:defRPr>
-                <a:solidFill>
-                  <a:schemeClr val="tx1"/>
-                </a:solidFill>
-                <a:latin typeface="맑은 고딕" panose="020B0503020000020004" pitchFamily="50" charset="-127"/>
-                <a:ea typeface="맑은 고딕" panose="020B0503020000020004" pitchFamily="50" charset="-127"/>
-              </a:defRPr>
-            </a:lvl5pPr>
-            <a:lvl6pPr marL="2514600" indent="-228600" eaLnBrk="0" fontAlgn="base" hangingPunct="0">
-              <a:spcBef>
-                <a:spcPct val="0"/>
-              </a:spcBef>
-              <a:spcAft>
-                <a:spcPct val="0"/>
-              </a:spcAft>
-              <a:defRPr>
-                <a:solidFill>
-                  <a:schemeClr val="tx1"/>
-                </a:solidFill>
-                <a:latin typeface="맑은 고딕" panose="020B0503020000020004" pitchFamily="50" charset="-127"/>
-                <a:ea typeface="맑은 고딕" panose="020B0503020000020004" pitchFamily="50" charset="-127"/>
-              </a:defRPr>
-            </a:lvl6pPr>
-            <a:lvl7pPr marL="2971800" indent="-228600" eaLnBrk="0" fontAlgn="base" hangingPunct="0">
-              <a:spcBef>
-                <a:spcPct val="0"/>
-              </a:spcBef>
-              <a:spcAft>
-                <a:spcPct val="0"/>
-              </a:spcAft>
-              <a:defRPr>
-                <a:solidFill>
-                  <a:schemeClr val="tx1"/>
-                </a:solidFill>
-                <a:latin typeface="맑은 고딕" panose="020B0503020000020004" pitchFamily="50" charset="-127"/>
-                <a:ea typeface="맑은 고딕" panose="020B0503020000020004" pitchFamily="50" charset="-127"/>
-              </a:defRPr>
-            </a:lvl7pPr>
-            <a:lvl8pPr marL="3429000" indent="-228600" eaLnBrk="0" fontAlgn="base" hangingPunct="0">
-              <a:spcBef>
-                <a:spcPct val="0"/>
-              </a:spcBef>
-              <a:spcAft>
-                <a:spcPct val="0"/>
-              </a:spcAft>
-              <a:defRPr>
-                <a:solidFill>
-                  <a:schemeClr val="tx1"/>
-                </a:solidFill>
-                <a:latin typeface="맑은 고딕" panose="020B0503020000020004" pitchFamily="50" charset="-127"/>
-                <a:ea typeface="맑은 고딕" panose="020B0503020000020004" pitchFamily="50" charset="-127"/>
-              </a:defRPr>
-            </a:lvl8pPr>
-            <a:lvl9pPr marL="3886200" indent="-228600" eaLnBrk="0" fontAlgn="base" hangingPunct="0">
-              <a:spcBef>
-                <a:spcPct val="0"/>
-              </a:spcBef>
-              <a:spcAft>
-                <a:spcPct val="0"/>
-              </a:spcAft>
-              <a:defRPr>
-                <a:solidFill>
-                  <a:schemeClr val="tx1"/>
-                </a:solidFill>
-                <a:latin typeface="맑은 고딕" panose="020B0503020000020004" pitchFamily="50" charset="-127"/>
-                <a:ea typeface="맑은 고딕" panose="020B0503020000020004" pitchFamily="50" charset="-127"/>
-              </a:defRPr>
-            </a:lvl9pPr>
-          </a:lstStyle>
-          <a:p>
-            <a:r>
-              <a:rPr lang="ko-KR" altLang="en-US"/>
-              <a:t>기흥</a:t>
-            </a:r>
-            <a:r>
-              <a:rPr lang="en-US" altLang="ko-KR"/>
-              <a:t>&amp;</a:t>
-            </a:r>
-            <a:r>
-              <a:rPr lang="ko-KR" altLang="en-US"/>
-              <a:t>유빈</a:t>
-            </a:r>
-          </a:p>
-        </p:txBody>
-      </p:sp>
-    </p:spTree>
-  </p:cSld>
-  <p:clrMapOvr>
-    <a:masterClrMapping/>
-  </p:clrMapOvr>
-</p:sld>
-</file>
-
-<file path=ppt/slides/slide6.xml><?xml version="1.0" encoding="utf-8"?>
-<p:sld xmlns:a="http://schemas.openxmlformats.org/drawingml/2006/main" xmlns:r="http://schemas.openxmlformats.org/officeDocument/2006/relationships" xmlns:p="http://schemas.openxmlformats.org/presentationml/2006/main">
-  <p:cSld>
-    <p:spTree>
-      <p:nvGrpSpPr>
-        <p:cNvPr id="1" name=""/>
-        <p:cNvGrpSpPr/>
-        <p:nvPr/>
-      </p:nvGrpSpPr>
-      <p:grpSpPr>
-        <a:xfrm>
-          <a:off x="0" y="0"/>
-          <a:ext cx="0" cy="0"/>
-          <a:chOff x="0" y="0"/>
-          <a:chExt cx="0" cy="0"/>
-        </a:xfrm>
-      </p:grpSpPr>
-      <p:sp>
-        <p:nvSpPr>
-          <p:cNvPr id="21" name="직사각형 20">
-            <a:extLst>
-              <a:ext uri="{FF2B5EF4-FFF2-40B4-BE49-F238E27FC236}">
-                <a16:creationId xmlns:a16="http://schemas.microsoft.com/office/drawing/2014/main" id="{0D2F13B9-023D-4B3D-91D4-6894293B2BAF}"/>
-              </a:ext>
-            </a:extLst>
-          </p:cNvPr>
-          <p:cNvSpPr/>
-          <p:nvPr/>
-        </p:nvSpPr>
-        <p:spPr>
-          <a:xfrm>
-            <a:off x="1631951" y="0"/>
-            <a:ext cx="3095625" cy="1125538"/>
-          </a:xfrm>
-          <a:prstGeom prst="rect">
-            <a:avLst/>
-          </a:prstGeom>
-          <a:solidFill>
-            <a:srgbClr val="3B5AA8"/>
-          </a:solidFill>
-          <a:ln>
-            <a:noFill/>
-          </a:ln>
-        </p:spPr>
-        <p:style>
-          <a:lnRef idx="2">
-            <a:schemeClr val="accent1">
-              <a:shade val="50000"/>
-            </a:schemeClr>
-          </a:lnRef>
-          <a:fillRef idx="1">
-            <a:schemeClr val="accent1"/>
-          </a:fillRef>
-          <a:effectRef idx="0">
-            <a:schemeClr val="accent1"/>
-          </a:effectRef>
-          <a:fontRef idx="minor">
-            <a:schemeClr val="lt1"/>
-          </a:fontRef>
-        </p:style>
-        <p:txBody>
-          <a:bodyPr anchor="ctr"/>
-          <a:lstStyle/>
-          <a:p>
-            <a:pPr algn="ctr">
-              <a:defRPr/>
-            </a:pPr>
-            <a:endParaRPr lang="ko-KR" altLang="en-US"/>
-          </a:p>
-        </p:txBody>
-      </p:sp>
-      <p:cxnSp>
-        <p:nvCxnSpPr>
-          <p:cNvPr id="22" name="직선 연결선 21">
-            <a:extLst>
-              <a:ext uri="{FF2B5EF4-FFF2-40B4-BE49-F238E27FC236}">
-                <a16:creationId xmlns:a16="http://schemas.microsoft.com/office/drawing/2014/main" id="{FCE26C40-C8A0-442C-87D3-85277514F0FA}"/>
-              </a:ext>
-            </a:extLst>
-          </p:cNvPr>
-          <p:cNvCxnSpPr/>
-          <p:nvPr/>
-        </p:nvCxnSpPr>
-        <p:spPr>
-          <a:xfrm>
-            <a:off x="1947864" y="541338"/>
-            <a:ext cx="2592387" cy="0"/>
-          </a:xfrm>
-          <a:prstGeom prst="line">
-            <a:avLst/>
-          </a:prstGeom>
-          <a:ln w="28575">
-            <a:solidFill>
-              <a:schemeClr val="bg1">
-                <a:lumMod val="95000"/>
-              </a:schemeClr>
-            </a:solidFill>
-          </a:ln>
-        </p:spPr>
-        <p:style>
-          <a:lnRef idx="1">
-            <a:schemeClr val="accent1"/>
-          </a:lnRef>
-          <a:fillRef idx="0">
-            <a:schemeClr val="accent1"/>
-          </a:fillRef>
-          <a:effectRef idx="0">
-            <a:schemeClr val="accent1"/>
-          </a:effectRef>
-          <a:fontRef idx="minor">
-            <a:schemeClr val="tx1"/>
-          </a:fontRef>
-        </p:style>
-      </p:cxnSp>
-      <p:cxnSp>
-        <p:nvCxnSpPr>
-          <p:cNvPr id="25" name="직선 연결선 24">
-            <a:extLst>
-              <a:ext uri="{FF2B5EF4-FFF2-40B4-BE49-F238E27FC236}">
-                <a16:creationId xmlns:a16="http://schemas.microsoft.com/office/drawing/2014/main" id="{C05A11A2-15D8-4CE3-A0C4-10DD6ACF0E6F}"/>
-              </a:ext>
-            </a:extLst>
-          </p:cNvPr>
-          <p:cNvCxnSpPr/>
-          <p:nvPr/>
-        </p:nvCxnSpPr>
-        <p:spPr>
-          <a:xfrm>
-            <a:off x="4800600" y="549275"/>
-            <a:ext cx="5327650" cy="0"/>
-          </a:xfrm>
-          <a:prstGeom prst="line">
-            <a:avLst/>
-          </a:prstGeom>
-          <a:ln w="28575">
-            <a:solidFill>
-              <a:srgbClr val="3B5AA8"/>
-            </a:solidFill>
-          </a:ln>
-        </p:spPr>
-        <p:style>
-          <a:lnRef idx="1">
-            <a:schemeClr val="accent4"/>
-          </a:lnRef>
-          <a:fillRef idx="0">
-            <a:schemeClr val="accent4"/>
-          </a:fillRef>
-          <a:effectRef idx="0">
-            <a:schemeClr val="accent4"/>
-          </a:effectRef>
-          <a:fontRef idx="minor">
-            <a:schemeClr val="tx1"/>
-          </a:fontRef>
-        </p:style>
-      </p:cxnSp>
-      <p:sp>
-        <p:nvSpPr>
-          <p:cNvPr id="28" name="제목 12">
-            <a:extLst>
-              <a:ext uri="{FF2B5EF4-FFF2-40B4-BE49-F238E27FC236}">
-                <a16:creationId xmlns:a16="http://schemas.microsoft.com/office/drawing/2014/main" id="{5C4EAE3F-355B-4620-A88A-8153E1B44E8E}"/>
-              </a:ext>
-            </a:extLst>
-          </p:cNvPr>
-          <p:cNvSpPr txBox="1">
-            <a:spLocks/>
-          </p:cNvSpPr>
-          <p:nvPr/>
-        </p:nvSpPr>
-        <p:spPr>
-          <a:xfrm>
-            <a:off x="1847850" y="692150"/>
-            <a:ext cx="2952750" cy="273050"/>
-          </a:xfrm>
-          <a:prstGeom prst="rect">
-            <a:avLst/>
-          </a:prstGeom>
-        </p:spPr>
-        <p:txBody>
-          <a:bodyPr/>
-          <a:lstStyle/>
-          <a:p>
-            <a:pPr>
-              <a:defRPr/>
-            </a:pPr>
-            <a:r>
-              <a:rPr lang="en-US" altLang="ko-KR" sz="1700" b="1" dirty="0">
-                <a:solidFill>
-                  <a:schemeClr val="bg1"/>
-                </a:solidFill>
-                <a:latin typeface="+mn-ea"/>
-                <a:cs typeface="+mj-cs"/>
-              </a:rPr>
-              <a:t>| </a:t>
-            </a:r>
-            <a:r>
-              <a:rPr lang="ko-KR" altLang="en-US" sz="1700" b="1" dirty="0">
-                <a:solidFill>
-                  <a:schemeClr val="bg1"/>
-                </a:solidFill>
-                <a:latin typeface="+mn-ea"/>
-                <a:cs typeface="+mj-cs"/>
-              </a:rPr>
-              <a:t>알고리즘 상세 설명서</a:t>
-            </a:r>
-            <a:endParaRPr lang="ko-KR" altLang="en-US" sz="1700" spc="-50" dirty="0">
-              <a:solidFill>
-                <a:schemeClr val="bg1"/>
-              </a:solidFill>
-              <a:latin typeface="+mn-ea"/>
-              <a:cs typeface="+mj-cs"/>
-            </a:endParaRPr>
-          </a:p>
-        </p:txBody>
-      </p:sp>
-      <p:pic>
-        <p:nvPicPr>
-          <p:cNvPr id="19462" name="Picture 2">
-            <a:extLst>
-              <a:ext uri="{FF2B5EF4-FFF2-40B4-BE49-F238E27FC236}">
-                <a16:creationId xmlns:a16="http://schemas.microsoft.com/office/drawing/2014/main" id="{9CD73711-290B-4343-A205-4AA755FB6D6E}"/>
-              </a:ext>
-            </a:extLst>
-          </p:cNvPr>
-          <p:cNvPicPr>
-            <a:picLocks noChangeAspect="1" noChangeArrowheads="1"/>
-          </p:cNvPicPr>
-          <p:nvPr/>
-        </p:nvPicPr>
-        <p:blipFill>
-          <a:blip r:embed="rId2">
-            <a:extLst>
-              <a:ext uri="{28A0092B-C50C-407E-A947-70E740481C1C}">
-                <a14:useLocalDpi xmlns:a14="http://schemas.microsoft.com/office/drawing/2010/main" val="0"/>
-              </a:ext>
-            </a:extLst>
-          </a:blip>
-          <a:srcRect/>
-          <a:stretch>
-            <a:fillRect/>
-          </a:stretch>
-        </p:blipFill>
-        <p:spPr bwMode="auto">
-          <a:xfrm>
-            <a:off x="10199688" y="476250"/>
-            <a:ext cx="455612" cy="158750"/>
-          </a:xfrm>
-          <a:prstGeom prst="rect">
-            <a:avLst/>
-          </a:prstGeom>
-          <a:noFill/>
-          <a:ln>
-            <a:noFill/>
-          </a:ln>
-          <a:extLst>
-            <a:ext uri="{909E8E84-426E-40DD-AFC4-6F175D3DCCD1}">
-              <a14:hiddenFill xmlns:a14="http://schemas.microsoft.com/office/drawing/2010/main">
-                <a:solidFill>
-                  <a:srgbClr val="FFFFFF"/>
-                </a:solidFill>
-              </a14:hiddenFill>
-            </a:ext>
-            <a:ext uri="{91240B29-F687-4F45-9708-019B960494DF}">
-              <a14:hiddenLine xmlns:a14="http://schemas.microsoft.com/office/drawing/2010/main" w="9525">
-                <a:solidFill>
-                  <a:srgbClr val="000000"/>
-                </a:solidFill>
-                <a:miter lim="800000"/>
-                <a:headEnd/>
-                <a:tailEnd/>
-              </a14:hiddenLine>
-            </a:ext>
-          </a:extLst>
-        </p:spPr>
-      </p:pic>
-      <p:sp>
-        <p:nvSpPr>
-          <p:cNvPr id="32" name="막힌 원호 31">
-            <a:extLst>
-              <a:ext uri="{FF2B5EF4-FFF2-40B4-BE49-F238E27FC236}">
-                <a16:creationId xmlns:a16="http://schemas.microsoft.com/office/drawing/2014/main" id="{B13CD25A-5CF2-4272-98F6-5218B886BDF9}"/>
-              </a:ext>
-            </a:extLst>
-          </p:cNvPr>
-          <p:cNvSpPr/>
-          <p:nvPr/>
-        </p:nvSpPr>
-        <p:spPr>
-          <a:xfrm flipV="1">
-            <a:off x="946150" y="-576263"/>
-            <a:ext cx="1181100" cy="1166813"/>
-          </a:xfrm>
-          <a:prstGeom prst="blockArc">
-            <a:avLst>
-              <a:gd name="adj1" fmla="val 16158679"/>
-              <a:gd name="adj2" fmla="val 0"/>
-              <a:gd name="adj3" fmla="val 25000"/>
-            </a:avLst>
-          </a:prstGeom>
-          <a:solidFill>
-            <a:schemeClr val="bg1"/>
-          </a:solidFill>
-          <a:ln>
-            <a:solidFill>
-              <a:schemeClr val="bg1"/>
-            </a:solidFill>
-          </a:ln>
-        </p:spPr>
-        <p:style>
-          <a:lnRef idx="2">
-            <a:schemeClr val="accent1">
-              <a:shade val="50000"/>
-            </a:schemeClr>
-          </a:lnRef>
-          <a:fillRef idx="1">
-            <a:schemeClr val="accent1"/>
-          </a:fillRef>
-          <a:effectRef idx="0">
-            <a:schemeClr val="accent1"/>
-          </a:effectRef>
-          <a:fontRef idx="minor">
-            <a:schemeClr val="lt1"/>
-          </a:fontRef>
-        </p:style>
-        <p:txBody>
-          <a:bodyPr anchor="ctr"/>
-          <a:lstStyle/>
-          <a:p>
-            <a:pPr algn="ctr">
-              <a:defRPr/>
-            </a:pPr>
-            <a:endParaRPr lang="ko-KR" altLang="en-US">
-              <a:solidFill>
-                <a:schemeClr val="tx1"/>
-              </a:solidFill>
-            </a:endParaRPr>
-          </a:p>
-        </p:txBody>
-      </p:sp>
-      <p:sp>
-        <p:nvSpPr>
-          <p:cNvPr id="12" name="바닥글 개체 틀 11">
-            <a:extLst>
-              <a:ext uri="{FF2B5EF4-FFF2-40B4-BE49-F238E27FC236}">
-                <a16:creationId xmlns:a16="http://schemas.microsoft.com/office/drawing/2014/main" id="{AA3F43CB-AEA1-4626-BC62-E4EC61C71B19}"/>
-              </a:ext>
-            </a:extLst>
-          </p:cNvPr>
-          <p:cNvSpPr>
-            <a:spLocks noGrp="1"/>
-          </p:cNvSpPr>
-          <p:nvPr>
-            <p:ph type="ftr" sz="quarter" idx="11"/>
-          </p:nvPr>
-        </p:nvSpPr>
-        <p:spPr/>
-        <p:txBody>
-          <a:bodyPr/>
-          <a:lstStyle/>
-          <a:p>
-            <a:pPr>
-              <a:defRPr/>
-            </a:pPr>
-            <a:r>
-              <a:rPr lang="ko-KR" altLang="en-US"/>
-              <a:t>한이음 ▶ 프로그램 설계서</a:t>
-            </a:r>
-          </a:p>
-        </p:txBody>
-      </p:sp>
-      <p:sp>
-        <p:nvSpPr>
-          <p:cNvPr id="51" name="직사각형 50">
-            <a:extLst>
-              <a:ext uri="{FF2B5EF4-FFF2-40B4-BE49-F238E27FC236}">
-                <a16:creationId xmlns:a16="http://schemas.microsoft.com/office/drawing/2014/main" id="{1C47F7AD-6548-42BF-AB72-A5A32EB7B7FE}"/>
-              </a:ext>
-            </a:extLst>
-          </p:cNvPr>
-          <p:cNvSpPr/>
-          <p:nvPr/>
-        </p:nvSpPr>
-        <p:spPr>
-          <a:xfrm>
-            <a:off x="5375275" y="549275"/>
-            <a:ext cx="5113338" cy="338138"/>
-          </a:xfrm>
-          <a:prstGeom prst="rect">
-            <a:avLst/>
-          </a:prstGeom>
-        </p:spPr>
-        <p:txBody>
-          <a:bodyPr>
-            <a:spAutoFit/>
-          </a:bodyPr>
-          <a:lstStyle/>
-          <a:p>
-            <a:pPr marL="265113" indent="-265113" algn="r">
-              <a:defRPr/>
-            </a:pPr>
-            <a:r>
-              <a:rPr lang="ko-KR" altLang="en-US" sz="1600" b="1" i="1" dirty="0">
-                <a:solidFill>
-                  <a:srgbClr val="FF0000"/>
-                </a:solidFill>
-                <a:latin typeface="+mj-lt"/>
-              </a:rPr>
-              <a:t>샘플</a:t>
-            </a:r>
-            <a:r>
-              <a:rPr lang="en-US" altLang="ko-KR" sz="1600" b="1" i="1" dirty="0">
-                <a:solidFill>
-                  <a:srgbClr val="FF0000"/>
-                </a:solidFill>
-                <a:latin typeface="+mj-lt"/>
-              </a:rPr>
-              <a:t> 1</a:t>
-            </a:r>
-            <a:endParaRPr lang="ko-KR" altLang="en-US" sz="1600" b="1" i="1" dirty="0">
-              <a:solidFill>
-                <a:srgbClr val="FF0000"/>
-              </a:solidFill>
-              <a:latin typeface="+mj-lt"/>
-            </a:endParaRPr>
-          </a:p>
-        </p:txBody>
-      </p:sp>
-      <p:sp>
-        <p:nvSpPr>
-          <p:cNvPr id="17" name="직사각형 16">
-            <a:extLst>
-              <a:ext uri="{FF2B5EF4-FFF2-40B4-BE49-F238E27FC236}">
-                <a16:creationId xmlns:a16="http://schemas.microsoft.com/office/drawing/2014/main" id="{5E1E8BD3-44FA-410C-A23A-AAF8617CF4AE}"/>
-              </a:ext>
-            </a:extLst>
-          </p:cNvPr>
-          <p:cNvSpPr/>
-          <p:nvPr/>
-        </p:nvSpPr>
-        <p:spPr>
-          <a:xfrm>
-            <a:off x="1746251" y="1473200"/>
-            <a:ext cx="8740775" cy="2573338"/>
-          </a:xfrm>
-          <a:prstGeom prst="rect">
-            <a:avLst/>
-          </a:prstGeom>
-          <a:noFill/>
-          <a:ln>
-            <a:solidFill>
-              <a:schemeClr val="accent1"/>
-            </a:solidFill>
-          </a:ln>
-        </p:spPr>
-        <p:style>
-          <a:lnRef idx="0">
-            <a:scrgbClr r="0" g="0" b="0"/>
-          </a:lnRef>
-          <a:fillRef idx="0">
-            <a:scrgbClr r="0" g="0" b="0"/>
-          </a:fillRef>
-          <a:effectRef idx="0">
-            <a:scrgbClr r="0" g="0" b="0"/>
-          </a:effectRef>
-          <a:fontRef idx="minor">
-            <a:schemeClr val="lt1"/>
-          </a:fontRef>
-        </p:style>
-        <p:txBody>
-          <a:bodyPr anchor="ctr"/>
-          <a:lstStyle/>
-          <a:p>
-            <a:pPr algn="ctr">
-              <a:defRPr/>
-            </a:pPr>
-            <a:endParaRPr lang="ko-KR" altLang="en-US" b="1" dirty="0">
-              <a:solidFill>
-                <a:schemeClr val="tx1"/>
-              </a:solidFill>
-            </a:endParaRPr>
-          </a:p>
-        </p:txBody>
-      </p:sp>
-      <p:sp>
-        <p:nvSpPr>
-          <p:cNvPr id="18" name="직사각형 17">
-            <a:extLst>
-              <a:ext uri="{FF2B5EF4-FFF2-40B4-BE49-F238E27FC236}">
-                <a16:creationId xmlns:a16="http://schemas.microsoft.com/office/drawing/2014/main" id="{74CB5492-E68E-41F8-BA64-FA8086FBF666}"/>
-              </a:ext>
-            </a:extLst>
-          </p:cNvPr>
-          <p:cNvSpPr/>
-          <p:nvPr/>
-        </p:nvSpPr>
-        <p:spPr>
-          <a:xfrm>
-            <a:off x="1758951" y="4283076"/>
-            <a:ext cx="8728075" cy="1903413"/>
-          </a:xfrm>
-          <a:prstGeom prst="rect">
-            <a:avLst/>
-          </a:prstGeom>
-          <a:noFill/>
-          <a:ln>
-            <a:solidFill>
-              <a:schemeClr val="accent1"/>
-            </a:solidFill>
-          </a:ln>
-        </p:spPr>
-        <p:style>
-          <a:lnRef idx="0">
-            <a:scrgbClr r="0" g="0" b="0"/>
-          </a:lnRef>
-          <a:fillRef idx="0">
-            <a:scrgbClr r="0" g="0" b="0"/>
-          </a:fillRef>
-          <a:effectRef idx="0">
-            <a:scrgbClr r="0" g="0" b="0"/>
-          </a:effectRef>
-          <a:fontRef idx="minor">
-            <a:schemeClr val="lt1"/>
-          </a:fontRef>
-        </p:style>
-        <p:txBody>
-          <a:bodyPr anchor="ctr"/>
-          <a:lstStyle/>
-          <a:p>
-            <a:pPr algn="ctr">
-              <a:defRPr/>
-            </a:pPr>
-            <a:endParaRPr lang="ko-KR" altLang="en-US" b="1" dirty="0">
-              <a:solidFill>
-                <a:schemeClr val="tx1"/>
-              </a:solidFill>
-            </a:endParaRPr>
-          </a:p>
-        </p:txBody>
-      </p:sp>
-      <p:pic>
-        <p:nvPicPr>
-          <p:cNvPr id="19" name="image9.png" title="이미지">
-            <a:extLst>
-              <a:ext uri="{FF2B5EF4-FFF2-40B4-BE49-F238E27FC236}">
-                <a16:creationId xmlns:a16="http://schemas.microsoft.com/office/drawing/2014/main" id="{49518BF1-69F1-40FC-B4B0-2BCA4393892E}"/>
-              </a:ext>
-            </a:extLst>
-          </p:cNvPr>
-          <p:cNvPicPr preferRelativeResize="0"/>
-          <p:nvPr/>
-        </p:nvPicPr>
-        <p:blipFill>
-          <a:blip r:embed="rId3" cstate="print"/>
-          <a:stretch>
-            <a:fillRect/>
-          </a:stretch>
-        </p:blipFill>
-        <p:spPr>
-          <a:xfrm>
-            <a:off x="1792288" y="4419601"/>
-            <a:ext cx="4303712" cy="1673225"/>
-          </a:xfrm>
-          <a:prstGeom prst="rect">
-            <a:avLst/>
-          </a:prstGeom>
-          <a:noFill/>
-        </p:spPr>
-      </p:pic>
-      <p:pic>
-        <p:nvPicPr>
-          <p:cNvPr id="23" name="image12.png" title="이미지">
-            <a:extLst>
-              <a:ext uri="{FF2B5EF4-FFF2-40B4-BE49-F238E27FC236}">
-                <a16:creationId xmlns:a16="http://schemas.microsoft.com/office/drawing/2014/main" id="{3680B4DB-FD10-4703-B479-DFD763DE8B96}"/>
-              </a:ext>
-            </a:extLst>
-          </p:cNvPr>
-          <p:cNvPicPr preferRelativeResize="0"/>
-          <p:nvPr/>
-        </p:nvPicPr>
-        <p:blipFill>
-          <a:blip r:embed="rId4" cstate="print"/>
-          <a:stretch>
-            <a:fillRect/>
-          </a:stretch>
-        </p:blipFill>
-        <p:spPr>
-          <a:xfrm>
-            <a:off x="6142039" y="4446589"/>
-            <a:ext cx="4130675" cy="1646237"/>
-          </a:xfrm>
-          <a:prstGeom prst="rect">
-            <a:avLst/>
-          </a:prstGeom>
-          <a:noFill/>
-        </p:spPr>
-      </p:pic>
-      <p:pic>
-        <p:nvPicPr>
-          <p:cNvPr id="24" name="image10.png" title="이미지">
-            <a:extLst>
-              <a:ext uri="{FF2B5EF4-FFF2-40B4-BE49-F238E27FC236}">
-                <a16:creationId xmlns:a16="http://schemas.microsoft.com/office/drawing/2014/main" id="{234A8984-B847-4F68-B34E-FEEACA19519C}"/>
-              </a:ext>
-            </a:extLst>
-          </p:cNvPr>
-          <p:cNvPicPr preferRelativeResize="0"/>
-          <p:nvPr/>
-        </p:nvPicPr>
-        <p:blipFill>
-          <a:blip r:embed="rId5" cstate="print"/>
-          <a:stretch>
-            <a:fillRect/>
-          </a:stretch>
-        </p:blipFill>
-        <p:spPr>
-          <a:xfrm>
-            <a:off x="1878014" y="1541464"/>
-            <a:ext cx="8321675" cy="2319337"/>
-          </a:xfrm>
-          <a:prstGeom prst="rect">
-            <a:avLst/>
-          </a:prstGeom>
-          <a:noFill/>
-        </p:spPr>
-      </p:pic>
-      <p:pic>
-        <p:nvPicPr>
-          <p:cNvPr id="19471" name="그림 15">
-            <a:extLst>
-              <a:ext uri="{FF2B5EF4-FFF2-40B4-BE49-F238E27FC236}">
-                <a16:creationId xmlns:a16="http://schemas.microsoft.com/office/drawing/2014/main" id="{1F344971-2D9E-409A-92E1-C39F750E13B1}"/>
-              </a:ext>
-            </a:extLst>
-          </p:cNvPr>
-          <p:cNvPicPr>
-            <a:picLocks noChangeAspect="1" noChangeArrowheads="1"/>
-          </p:cNvPicPr>
-          <p:nvPr/>
-        </p:nvPicPr>
-        <p:blipFill>
-          <a:blip r:embed="rId6">
-            <a:extLst>
-              <a:ext uri="{28A0092B-C50C-407E-A947-70E740481C1C}">
-                <a14:useLocalDpi xmlns:a14="http://schemas.microsoft.com/office/drawing/2010/main" val="0"/>
-              </a:ext>
-            </a:extLst>
-          </a:blip>
-          <a:srcRect/>
-          <a:stretch>
-            <a:fillRect/>
-          </a:stretch>
-        </p:blipFill>
-        <p:spPr bwMode="auto">
-          <a:xfrm>
-            <a:off x="9639301" y="125413"/>
-            <a:ext cx="868363" cy="279400"/>
-          </a:xfrm>
-          <a:prstGeom prst="rect">
-            <a:avLst/>
-          </a:prstGeom>
-          <a:noFill/>
-          <a:ln>
-            <a:noFill/>
-          </a:ln>
-          <a:extLst>
-            <a:ext uri="{909E8E84-426E-40DD-AFC4-6F175D3DCCD1}">
-              <a14:hiddenFill xmlns:a14="http://schemas.microsoft.com/office/drawing/2010/main">
-                <a:solidFill>
-                  <a:srgbClr val="FFFFFF"/>
-                </a:solidFill>
-              </a14:hiddenFill>
-            </a:ext>
-            <a:ext uri="{91240B29-F687-4F45-9708-019B960494DF}">
-              <a14:hiddenLine xmlns:a14="http://schemas.microsoft.com/office/drawing/2010/main" w="9525">
-                <a:solidFill>
-                  <a:srgbClr val="000000"/>
-                </a:solidFill>
-                <a:miter lim="800000"/>
-                <a:headEnd/>
-                <a:tailEnd/>
-              </a14:hiddenLine>
-            </a:ext>
-          </a:extLst>
-        </p:spPr>
-      </p:pic>
-      <p:sp>
-        <p:nvSpPr>
-          <p:cNvPr id="20" name="사각형: 둥근 모서리 26">
-            <a:extLst>
-              <a:ext uri="{FF2B5EF4-FFF2-40B4-BE49-F238E27FC236}">
-                <a16:creationId xmlns:a16="http://schemas.microsoft.com/office/drawing/2014/main" id="{4F3E2E92-6880-4255-A796-65BFB993986E}"/>
-              </a:ext>
-            </a:extLst>
-          </p:cNvPr>
-          <p:cNvSpPr/>
-          <p:nvPr/>
-        </p:nvSpPr>
-        <p:spPr>
-          <a:xfrm>
-            <a:off x="1970089" y="6445250"/>
-            <a:ext cx="8251825" cy="368300"/>
-          </a:xfrm>
-          <a:prstGeom prst="roundRect">
-            <a:avLst/>
-          </a:prstGeom>
-          <a:noFill/>
-          <a:ln>
-            <a:noFill/>
-          </a:ln>
-        </p:spPr>
-        <p:style>
-          <a:lnRef idx="0">
-            <a:scrgbClr r="0" g="0" b="0"/>
-          </a:lnRef>
-          <a:fillRef idx="0">
-            <a:scrgbClr r="0" g="0" b="0"/>
-          </a:fillRef>
-          <a:effectRef idx="0">
-            <a:scrgbClr r="0" g="0" b="0"/>
-          </a:effectRef>
-          <a:fontRef idx="minor">
-            <a:schemeClr val="lt1"/>
-          </a:fontRef>
-        </p:style>
-        <p:txBody>
-          <a:bodyPr anchor="ctr"/>
-          <a:lstStyle/>
-          <a:p>
-            <a:pPr algn="ctr">
-              <a:defRPr/>
-            </a:pPr>
-            <a:r>
-              <a:rPr lang="en-US" altLang="ko-KR" b="1" dirty="0">
-                <a:solidFill>
-                  <a:srgbClr val="FF0000"/>
-                </a:solidFill>
-              </a:rPr>
-              <a:t>※ </a:t>
-            </a:r>
-            <a:r>
-              <a:rPr lang="ko-KR" altLang="en-US" b="1" dirty="0">
-                <a:solidFill>
-                  <a:srgbClr val="FF0000"/>
-                </a:solidFill>
-              </a:rPr>
-              <a:t>본문의 예시 내용을 지우고 과제 내용으로 변경하여 사용하세요</a:t>
-            </a:r>
-          </a:p>
-        </p:txBody>
-      </p:sp>
-      <p:sp>
-        <p:nvSpPr>
-          <p:cNvPr id="19473" name="TextBox 28">
-            <a:extLst>
-              <a:ext uri="{FF2B5EF4-FFF2-40B4-BE49-F238E27FC236}">
-                <a16:creationId xmlns:a16="http://schemas.microsoft.com/office/drawing/2014/main" id="{C4ADD840-D9D3-45D6-BF41-B14904B6427A}"/>
-              </a:ext>
-            </a:extLst>
-          </p:cNvPr>
-          <p:cNvSpPr txBox="1">
-            <a:spLocks noChangeArrowheads="1"/>
-          </p:cNvSpPr>
-          <p:nvPr/>
-        </p:nvSpPr>
-        <p:spPr bwMode="auto">
-          <a:xfrm>
-            <a:off x="4991100" y="692150"/>
-            <a:ext cx="1392238" cy="369888"/>
-          </a:xfrm>
-          <a:prstGeom prst="rect">
-            <a:avLst/>
-          </a:prstGeom>
-          <a:noFill/>
-          <a:ln>
-            <a:noFill/>
-          </a:ln>
-          <a:extLst>
-            <a:ext uri="{909E8E84-426E-40DD-AFC4-6F175D3DCCD1}">
-              <a14:hiddenFill xmlns:a14="http://schemas.microsoft.com/office/drawing/2010/main">
-                <a:solidFill>
-                  <a:srgbClr val="FFFFFF"/>
-                </a:solidFill>
-              </a14:hiddenFill>
-            </a:ext>
-            <a:ext uri="{91240B29-F687-4F45-9708-019B960494DF}">
-              <a14:hiddenLine xmlns:a14="http://schemas.microsoft.com/office/drawing/2010/main" w="9525">
-                <a:solidFill>
-                  <a:srgbClr val="000000"/>
-                </a:solidFill>
-                <a:miter lim="800000"/>
-                <a:headEnd/>
-                <a:tailEnd/>
-              </a14:hiddenLine>
-            </a:ext>
-          </a:extLst>
-        </p:spPr>
-        <p:txBody>
-          <a:bodyPr>
-            <a:spAutoFit/>
-          </a:bodyPr>
-          <a:lstStyle>
-            <a:lvl1pPr>
-              <a:defRPr>
-                <a:solidFill>
-                  <a:schemeClr val="tx1"/>
-                </a:solidFill>
-                <a:latin typeface="맑은 고딕" panose="020B0503020000020004" pitchFamily="50" charset="-127"/>
-                <a:ea typeface="맑은 고딕" panose="020B0503020000020004" pitchFamily="50" charset="-127"/>
-              </a:defRPr>
-            </a:lvl1pPr>
-            <a:lvl2pPr marL="742950" indent="-285750">
-              <a:defRPr>
-                <a:solidFill>
-                  <a:schemeClr val="tx1"/>
-                </a:solidFill>
-                <a:latin typeface="맑은 고딕" panose="020B0503020000020004" pitchFamily="50" charset="-127"/>
-                <a:ea typeface="맑은 고딕" panose="020B0503020000020004" pitchFamily="50" charset="-127"/>
-              </a:defRPr>
-            </a:lvl2pPr>
-            <a:lvl3pPr marL="1143000" indent="-228600">
-              <a:defRPr>
-                <a:solidFill>
-                  <a:schemeClr val="tx1"/>
-                </a:solidFill>
-                <a:latin typeface="맑은 고딕" panose="020B0503020000020004" pitchFamily="50" charset="-127"/>
-                <a:ea typeface="맑은 고딕" panose="020B0503020000020004" pitchFamily="50" charset="-127"/>
-              </a:defRPr>
-            </a:lvl3pPr>
-            <a:lvl4pPr marL="1600200" indent="-228600">
-              <a:defRPr>
-                <a:solidFill>
-                  <a:schemeClr val="tx1"/>
-                </a:solidFill>
-                <a:latin typeface="맑은 고딕" panose="020B0503020000020004" pitchFamily="50" charset="-127"/>
-                <a:ea typeface="맑은 고딕" panose="020B0503020000020004" pitchFamily="50" charset="-127"/>
-              </a:defRPr>
-            </a:lvl4pPr>
-            <a:lvl5pPr marL="2057400" indent="-228600">
-              <a:defRPr>
-                <a:solidFill>
-                  <a:schemeClr val="tx1"/>
-                </a:solidFill>
-                <a:latin typeface="맑은 고딕" panose="020B0503020000020004" pitchFamily="50" charset="-127"/>
-                <a:ea typeface="맑은 고딕" panose="020B0503020000020004" pitchFamily="50" charset="-127"/>
-              </a:defRPr>
-            </a:lvl5pPr>
-            <a:lvl6pPr marL="2514600" indent="-228600" eaLnBrk="0" fontAlgn="base" hangingPunct="0">
-              <a:spcBef>
-                <a:spcPct val="0"/>
-              </a:spcBef>
-              <a:spcAft>
-                <a:spcPct val="0"/>
-              </a:spcAft>
-              <a:defRPr>
-                <a:solidFill>
-                  <a:schemeClr val="tx1"/>
-                </a:solidFill>
-                <a:latin typeface="맑은 고딕" panose="020B0503020000020004" pitchFamily="50" charset="-127"/>
-                <a:ea typeface="맑은 고딕" panose="020B0503020000020004" pitchFamily="50" charset="-127"/>
-              </a:defRPr>
-            </a:lvl6pPr>
-            <a:lvl7pPr marL="2971800" indent="-228600" eaLnBrk="0" fontAlgn="base" hangingPunct="0">
-              <a:spcBef>
-                <a:spcPct val="0"/>
-              </a:spcBef>
-              <a:spcAft>
-                <a:spcPct val="0"/>
-              </a:spcAft>
-              <a:defRPr>
-                <a:solidFill>
-                  <a:schemeClr val="tx1"/>
-                </a:solidFill>
-                <a:latin typeface="맑은 고딕" panose="020B0503020000020004" pitchFamily="50" charset="-127"/>
-                <a:ea typeface="맑은 고딕" panose="020B0503020000020004" pitchFamily="50" charset="-127"/>
-              </a:defRPr>
-            </a:lvl7pPr>
-            <a:lvl8pPr marL="3429000" indent="-228600" eaLnBrk="0" fontAlgn="base" hangingPunct="0">
-              <a:spcBef>
-                <a:spcPct val="0"/>
-              </a:spcBef>
-              <a:spcAft>
-                <a:spcPct val="0"/>
-              </a:spcAft>
-              <a:defRPr>
-                <a:solidFill>
-                  <a:schemeClr val="tx1"/>
-                </a:solidFill>
-                <a:latin typeface="맑은 고딕" panose="020B0503020000020004" pitchFamily="50" charset="-127"/>
-                <a:ea typeface="맑은 고딕" panose="020B0503020000020004" pitchFamily="50" charset="-127"/>
-              </a:defRPr>
-            </a:lvl8pPr>
-            <a:lvl9pPr marL="3886200" indent="-228600" eaLnBrk="0" fontAlgn="base" hangingPunct="0">
-              <a:spcBef>
-                <a:spcPct val="0"/>
-              </a:spcBef>
-              <a:spcAft>
-                <a:spcPct val="0"/>
-              </a:spcAft>
-              <a:defRPr>
-                <a:solidFill>
-                  <a:schemeClr val="tx1"/>
-                </a:solidFill>
-                <a:latin typeface="맑은 고딕" panose="020B0503020000020004" pitchFamily="50" charset="-127"/>
-                <a:ea typeface="맑은 고딕" panose="020B0503020000020004" pitchFamily="50" charset="-127"/>
-              </a:defRPr>
-            </a:lvl9pPr>
-          </a:lstStyle>
-          <a:p>
-            <a:r>
-              <a:rPr lang="ko-KR" altLang="en-US"/>
-              <a:t>기흥</a:t>
-            </a:r>
-            <a:r>
-              <a:rPr lang="en-US" altLang="ko-KR"/>
-              <a:t>&amp;</a:t>
-            </a:r>
-            <a:r>
-              <a:rPr lang="ko-KR" altLang="en-US"/>
-              <a:t>유빈</a:t>
-            </a:r>
-          </a:p>
-        </p:txBody>
-      </p:sp>
-    </p:spTree>
-  </p:cSld>
-  <p:clrMapOvr>
-    <a:masterClrMapping/>
-  </p:clrMapOvr>
-</p:sld>
-</file>
-
 <file path=ppt/theme/theme1.xml><?xml version="1.0" encoding="utf-8"?>
-<a:theme xmlns:a="http://schemas.openxmlformats.org/drawingml/2006/main" name="Office 테마">
+<a:theme xmlns:r="http://schemas.openxmlformats.org/officeDocument/2006/relationships" xmlns:c="http://schemas.openxmlformats.org/drawingml/2006/chart" xmlns:dgm="http://schemas.openxmlformats.org/drawingml/2006/diagram" xmlns:dsp="http://schemas.microsoft.com/office/drawing/2008/diagram" xmlns:a="http://schemas.openxmlformats.org/drawingml/2006/main" xmlns:pic="http://schemas.openxmlformats.org/drawingml/2006/picture" xmlns:wp="http://schemas.openxmlformats.org/drawingml/2006/wordprocessingDrawing" xmlns:xdr="http://schemas.openxmlformats.org/drawingml/2006/spreadsheetDrawing" xmlns:lc="http://schemas.openxmlformats.org/drawingml/2006/lockedCanvas" xmlns:p="http://schemas.openxmlformats.org/presentationml/2006/main" name="Office 테마">
   <a:themeElements>
     <a:clrScheme name="Office">
       <a:dk1>
         <a:sysClr val="windowText" lastClr="000000"/>
       </a:dk1>
       <a:lt1>
-        <a:sysClr val="window" lastClr="FFFFFF"/>
+        <a:sysClr val="window" lastClr="ffffff"/>
       </a:lt1>
       <a:dk2>
-        <a:srgbClr val="44546A"/>
+        <a:srgbClr val="44546a"/>
       </a:dk2>
       <a:lt2>
-        <a:srgbClr val="E7E6E6"/>
+        <a:srgbClr val="e7e6e6"/>
       </a:lt2>
       <a:accent1>
-        <a:srgbClr val="4472C4"/>
+        <a:srgbClr val="4472c4"/>
       </a:accent1>
       <a:accent2>
-        <a:srgbClr val="ED7D31"/>
+        <a:srgbClr val="ed7d31"/>
       </a:accent2>
       <a:accent3>
-        <a:srgbClr val="A5A5A5"/>
+        <a:srgbClr val="a5a5a5"/>
       </a:accent3>
       <a:accent4>
-        <a:srgbClr val="FFC000"/>
+        <a:srgbClr val="ffc000"/>
       </a:accent4>
       <a:accent5>
-        <a:srgbClr val="5B9BD5"/>
+        <a:srgbClr val="5b9bd5"/>
       </a:accent5>
       <a:accent6>
-        <a:srgbClr val="70AD47"/>
+        <a:srgbClr val="70ad47"/>
       </a:accent6>
       <a:hlink>
-        <a:srgbClr val="0563C1"/>
+        <a:srgbClr val="0563c1"/>
       </a:hlink>
       <a:folHlink>
-        <a:srgbClr val="954F72"/>
+        <a:srgbClr val="954f72"/>
       </a:folHlink>
     </a:clrScheme>
     <a:fontScheme name="Office">
@@ -11935,7 +10098,7 @@
         <a:latin typeface="맑은 고딕" panose="020F0302020204030204"/>
         <a:ea typeface=""/>
         <a:cs typeface=""/>
-        <a:font script="Jpan" typeface="游ゴシック Light"/>
+        <a:font script="Jpan" typeface="Yu Gothic Light"/>
         <a:font script="Hang" typeface="맑은 고딕"/>
         <a:font script="Hans" typeface="等线 Light"/>
         <a:font script="Hant" typeface="新細明體"/>
@@ -11987,7 +10150,7 @@
         <a:latin typeface="맑은 고딕" panose="020F0502020204030204"/>
         <a:ea typeface=""/>
         <a:cs typeface=""/>
-        <a:font script="Jpan" typeface="游ゴシック"/>
+        <a:font script="Jpan" typeface="Yu Gothic"/>
         <a:font script="Hang" typeface="맑은 고딕"/>
         <a:font script="Hans" typeface="等线"/>
         <a:font script="Hant" typeface="新細明體"/>
@@ -12100,21 +10263,21 @@
             <a:schemeClr val="phClr"/>
           </a:solidFill>
           <a:prstDash val="solid"/>
-          <a:miter lim="800000"/>
+          <a:miter/>
         </a:ln>
         <a:ln w="12700" cap="flat" cmpd="sng" algn="ctr">
           <a:solidFill>
             <a:schemeClr val="phClr"/>
           </a:solidFill>
           <a:prstDash val="solid"/>
-          <a:miter lim="800000"/>
+          <a:miter/>
         </a:ln>
         <a:ln w="19050" cap="flat" cmpd="sng" algn="ctr">
           <a:solidFill>
             <a:schemeClr val="phClr"/>
           </a:solidFill>
           <a:prstDash val="solid"/>
-          <a:miter lim="800000"/>
+          <a:miter/>
         </a:ln>
       </a:lnStyleLst>
       <a:effectStyleLst>
@@ -12174,12 +10337,5 @@
       </a:bgFillStyleLst>
     </a:fmtScheme>
   </a:themeElements>
-  <a:objectDefaults/>
-  <a:extraClrSchemeLst/>
-  <a:extLst>
-    <a:ext uri="{05A4C25C-085E-4340-85A3-A5531E510DB2}">
-      <thm15:themeFamily xmlns:thm15="http://schemas.microsoft.com/office/thememl/2012/main" name="Office Theme" id="{62F939B6-93AF-4DB8-9C6B-D6C7DFDC589F}" vid="{4A3C46E8-61CC-4603-A589-7422A47A8E4A}"/>
-    </a:ext>
-  </a:extLst>
 </a:theme>
 </file>